--- a/20210630_continuos_measure/20210630_ICT同好会.pptx
+++ b/20210630_continuos_measure/20210630_ICT同好会.pptx
@@ -76,8 +76,8 @@
         </p:nvSpPr>
         <p:spPr>
           <a:xfrm>
-            <a:off x="311760" y="292680"/>
-            <a:ext cx="8519760" cy="800280"/>
+            <a:off x="457200" y="205200"/>
+            <a:ext cx="8229240" cy="858600"/>
           </a:xfrm>
           <a:prstGeom prst="rect">
             <a:avLst/>
@@ -107,8 +107,8 @@
         </p:nvSpPr>
         <p:spPr>
           <a:xfrm>
-            <a:off x="311760" y="1228680"/>
-            <a:ext cx="8519760" cy="1592640"/>
+            <a:off x="457200" y="1203480"/>
+            <a:ext cx="8229240" cy="1422720"/>
           </a:xfrm>
           <a:prstGeom prst="rect">
             <a:avLst/>
@@ -137,8 +137,8 @@
         </p:nvSpPr>
         <p:spPr>
           <a:xfrm>
-            <a:off x="311760" y="2972880"/>
-            <a:ext cx="8519760" cy="1592640"/>
+            <a:off x="457200" y="2761920"/>
+            <a:ext cx="8229240" cy="1422720"/>
           </a:xfrm>
           <a:prstGeom prst="rect">
             <a:avLst/>
@@ -189,8 +189,8 @@
         </p:nvSpPr>
         <p:spPr>
           <a:xfrm>
-            <a:off x="311760" y="292680"/>
-            <a:ext cx="8519760" cy="800280"/>
+            <a:off x="457200" y="205200"/>
+            <a:ext cx="8229240" cy="858600"/>
           </a:xfrm>
           <a:prstGeom prst="rect">
             <a:avLst/>
@@ -220,8 +220,8 @@
         </p:nvSpPr>
         <p:spPr>
           <a:xfrm>
-            <a:off x="311760" y="1228680"/>
-            <a:ext cx="4157280" cy="1592640"/>
+            <a:off x="457200" y="1203480"/>
+            <a:ext cx="4015800" cy="1422720"/>
           </a:xfrm>
           <a:prstGeom prst="rect">
             <a:avLst/>
@@ -250,8 +250,8 @@
         </p:nvSpPr>
         <p:spPr>
           <a:xfrm>
-            <a:off x="4677120" y="1228680"/>
-            <a:ext cx="4157280" cy="1592640"/>
+            <a:off x="4674240" y="1203480"/>
+            <a:ext cx="4015800" cy="1422720"/>
           </a:xfrm>
           <a:prstGeom prst="rect">
             <a:avLst/>
@@ -280,8 +280,8 @@
         </p:nvSpPr>
         <p:spPr>
           <a:xfrm>
-            <a:off x="311760" y="2972880"/>
-            <a:ext cx="4157280" cy="1592640"/>
+            <a:off x="457200" y="2761920"/>
+            <a:ext cx="4015800" cy="1422720"/>
           </a:xfrm>
           <a:prstGeom prst="rect">
             <a:avLst/>
@@ -310,8 +310,8 @@
         </p:nvSpPr>
         <p:spPr>
           <a:xfrm>
-            <a:off x="4677120" y="2972880"/>
-            <a:ext cx="4157280" cy="1592640"/>
+            <a:off x="4674240" y="2761920"/>
+            <a:ext cx="4015800" cy="1422720"/>
           </a:xfrm>
           <a:prstGeom prst="rect">
             <a:avLst/>
@@ -362,8 +362,8 @@
         </p:nvSpPr>
         <p:spPr>
           <a:xfrm>
-            <a:off x="311760" y="292680"/>
-            <a:ext cx="8519760" cy="800280"/>
+            <a:off x="457200" y="205200"/>
+            <a:ext cx="8229240" cy="858600"/>
           </a:xfrm>
           <a:prstGeom prst="rect">
             <a:avLst/>
@@ -393,8 +393,8 @@
         </p:nvSpPr>
         <p:spPr>
           <a:xfrm>
-            <a:off x="311760" y="1228680"/>
-            <a:ext cx="2743200" cy="1592640"/>
+            <a:off x="457200" y="1203480"/>
+            <a:ext cx="2649600" cy="1422720"/>
           </a:xfrm>
           <a:prstGeom prst="rect">
             <a:avLst/>
@@ -423,8 +423,8 @@
         </p:nvSpPr>
         <p:spPr>
           <a:xfrm>
-            <a:off x="3192480" y="1228680"/>
-            <a:ext cx="2743200" cy="1592640"/>
+            <a:off x="3239640" y="1203480"/>
+            <a:ext cx="2649600" cy="1422720"/>
           </a:xfrm>
           <a:prstGeom prst="rect">
             <a:avLst/>
@@ -453,8 +453,8 @@
         </p:nvSpPr>
         <p:spPr>
           <a:xfrm>
-            <a:off x="6073200" y="1228680"/>
-            <a:ext cx="2743200" cy="1592640"/>
+            <a:off x="6022080" y="1203480"/>
+            <a:ext cx="2649600" cy="1422720"/>
           </a:xfrm>
           <a:prstGeom prst="rect">
             <a:avLst/>
@@ -483,8 +483,8 @@
         </p:nvSpPr>
         <p:spPr>
           <a:xfrm>
-            <a:off x="311760" y="2972880"/>
-            <a:ext cx="2743200" cy="1592640"/>
+            <a:off x="457200" y="2761920"/>
+            <a:ext cx="2649600" cy="1422720"/>
           </a:xfrm>
           <a:prstGeom prst="rect">
             <a:avLst/>
@@ -513,8 +513,8 @@
         </p:nvSpPr>
         <p:spPr>
           <a:xfrm>
-            <a:off x="3192480" y="2972880"/>
-            <a:ext cx="2743200" cy="1592640"/>
+            <a:off x="3239640" y="2761920"/>
+            <a:ext cx="2649600" cy="1422720"/>
           </a:xfrm>
           <a:prstGeom prst="rect">
             <a:avLst/>
@@ -543,8 +543,8 @@
         </p:nvSpPr>
         <p:spPr>
           <a:xfrm>
-            <a:off x="6073200" y="2972880"/>
-            <a:ext cx="2743200" cy="1592640"/>
+            <a:off x="6022080" y="2761920"/>
+            <a:ext cx="2649600" cy="1422720"/>
           </a:xfrm>
           <a:prstGeom prst="rect">
             <a:avLst/>
@@ -617,8 +617,8 @@
         </p:nvSpPr>
         <p:spPr>
           <a:xfrm>
-            <a:off x="311760" y="292680"/>
-            <a:ext cx="8519760" cy="800280"/>
+            <a:off x="457200" y="205200"/>
+            <a:ext cx="8229240" cy="858600"/>
           </a:xfrm>
           <a:prstGeom prst="rect">
             <a:avLst/>
@@ -648,8 +648,8 @@
         </p:nvSpPr>
         <p:spPr>
           <a:xfrm>
-            <a:off x="311760" y="1228680"/>
-            <a:ext cx="8519760" cy="3339360"/>
+            <a:off x="457200" y="1203480"/>
+            <a:ext cx="8229240" cy="2982960"/>
           </a:xfrm>
           <a:prstGeom prst="rect">
             <a:avLst/>
@@ -701,8 +701,8 @@
         </p:nvSpPr>
         <p:spPr>
           <a:xfrm>
-            <a:off x="311760" y="292680"/>
-            <a:ext cx="8519760" cy="800280"/>
+            <a:off x="457200" y="205200"/>
+            <a:ext cx="8229240" cy="858600"/>
           </a:xfrm>
           <a:prstGeom prst="rect">
             <a:avLst/>
@@ -732,8 +732,8 @@
         </p:nvSpPr>
         <p:spPr>
           <a:xfrm>
-            <a:off x="311760" y="1228680"/>
-            <a:ext cx="8519760" cy="3339360"/>
+            <a:off x="457200" y="1203480"/>
+            <a:ext cx="8229240" cy="2982960"/>
           </a:xfrm>
           <a:prstGeom prst="rect">
             <a:avLst/>
@@ -784,8 +784,8 @@
         </p:nvSpPr>
         <p:spPr>
           <a:xfrm>
-            <a:off x="311760" y="292680"/>
-            <a:ext cx="8519760" cy="800280"/>
+            <a:off x="457200" y="205200"/>
+            <a:ext cx="8229240" cy="858600"/>
           </a:xfrm>
           <a:prstGeom prst="rect">
             <a:avLst/>
@@ -815,8 +815,8 @@
         </p:nvSpPr>
         <p:spPr>
           <a:xfrm>
-            <a:off x="311760" y="1228680"/>
-            <a:ext cx="4157280" cy="3339360"/>
+            <a:off x="457200" y="1203480"/>
+            <a:ext cx="4015800" cy="2982960"/>
           </a:xfrm>
           <a:prstGeom prst="rect">
             <a:avLst/>
@@ -845,8 +845,8 @@
         </p:nvSpPr>
         <p:spPr>
           <a:xfrm>
-            <a:off x="4677120" y="1228680"/>
-            <a:ext cx="4157280" cy="3339360"/>
+            <a:off x="4674240" y="1203480"/>
+            <a:ext cx="4015800" cy="2982960"/>
           </a:xfrm>
           <a:prstGeom prst="rect">
             <a:avLst/>
@@ -897,8 +897,8 @@
         </p:nvSpPr>
         <p:spPr>
           <a:xfrm>
-            <a:off x="311760" y="292680"/>
-            <a:ext cx="8519760" cy="800280"/>
+            <a:off x="457200" y="205200"/>
+            <a:ext cx="8229240" cy="858600"/>
           </a:xfrm>
           <a:prstGeom prst="rect">
             <a:avLst/>
@@ -950,8 +950,8 @@
         </p:nvSpPr>
         <p:spPr>
           <a:xfrm>
-            <a:off x="311760" y="292680"/>
-            <a:ext cx="8519760" cy="3710880"/>
+            <a:off x="457200" y="205200"/>
+            <a:ext cx="8229240" cy="3981240"/>
           </a:xfrm>
           <a:prstGeom prst="rect">
             <a:avLst/>
@@ -1003,8 +1003,8 @@
         </p:nvSpPr>
         <p:spPr>
           <a:xfrm>
-            <a:off x="311760" y="292680"/>
-            <a:ext cx="8519760" cy="800280"/>
+            <a:off x="457200" y="205200"/>
+            <a:ext cx="8229240" cy="858600"/>
           </a:xfrm>
           <a:prstGeom prst="rect">
             <a:avLst/>
@@ -1034,8 +1034,8 @@
         </p:nvSpPr>
         <p:spPr>
           <a:xfrm>
-            <a:off x="311760" y="1228680"/>
-            <a:ext cx="4157280" cy="1592640"/>
+            <a:off x="457200" y="1203480"/>
+            <a:ext cx="4015800" cy="1422720"/>
           </a:xfrm>
           <a:prstGeom prst="rect">
             <a:avLst/>
@@ -1064,8 +1064,8 @@
         </p:nvSpPr>
         <p:spPr>
           <a:xfrm>
-            <a:off x="4677120" y="1228680"/>
-            <a:ext cx="4157280" cy="3339360"/>
+            <a:off x="4674240" y="1203480"/>
+            <a:ext cx="4015800" cy="2982960"/>
           </a:xfrm>
           <a:prstGeom prst="rect">
             <a:avLst/>
@@ -1094,8 +1094,8 @@
         </p:nvSpPr>
         <p:spPr>
           <a:xfrm>
-            <a:off x="311760" y="2972880"/>
-            <a:ext cx="4157280" cy="1592640"/>
+            <a:off x="457200" y="2761920"/>
+            <a:ext cx="4015800" cy="1422720"/>
           </a:xfrm>
           <a:prstGeom prst="rect">
             <a:avLst/>
@@ -1146,8 +1146,8 @@
         </p:nvSpPr>
         <p:spPr>
           <a:xfrm>
-            <a:off x="311760" y="292680"/>
-            <a:ext cx="8519760" cy="800280"/>
+            <a:off x="457200" y="205200"/>
+            <a:ext cx="8229240" cy="858600"/>
           </a:xfrm>
           <a:prstGeom prst="rect">
             <a:avLst/>
@@ -1177,8 +1177,8 @@
         </p:nvSpPr>
         <p:spPr>
           <a:xfrm>
-            <a:off x="311760" y="1228680"/>
-            <a:ext cx="8519760" cy="3339360"/>
+            <a:off x="457200" y="1203480"/>
+            <a:ext cx="8229240" cy="2982960"/>
           </a:xfrm>
           <a:prstGeom prst="rect">
             <a:avLst/>
@@ -1230,8 +1230,8 @@
         </p:nvSpPr>
         <p:spPr>
           <a:xfrm>
-            <a:off x="311760" y="292680"/>
-            <a:ext cx="8519760" cy="800280"/>
+            <a:off x="457200" y="205200"/>
+            <a:ext cx="8229240" cy="858600"/>
           </a:xfrm>
           <a:prstGeom prst="rect">
             <a:avLst/>
@@ -1261,8 +1261,8 @@
         </p:nvSpPr>
         <p:spPr>
           <a:xfrm>
-            <a:off x="311760" y="1228680"/>
-            <a:ext cx="4157280" cy="3339360"/>
+            <a:off x="457200" y="1203480"/>
+            <a:ext cx="4015800" cy="2982960"/>
           </a:xfrm>
           <a:prstGeom prst="rect">
             <a:avLst/>
@@ -1291,8 +1291,8 @@
         </p:nvSpPr>
         <p:spPr>
           <a:xfrm>
-            <a:off x="4677120" y="1228680"/>
-            <a:ext cx="4157280" cy="1592640"/>
+            <a:off x="4674240" y="1203480"/>
+            <a:ext cx="4015800" cy="1422720"/>
           </a:xfrm>
           <a:prstGeom prst="rect">
             <a:avLst/>
@@ -1321,8 +1321,8 @@
         </p:nvSpPr>
         <p:spPr>
           <a:xfrm>
-            <a:off x="4677120" y="2972880"/>
-            <a:ext cx="4157280" cy="1592640"/>
+            <a:off x="4674240" y="2761920"/>
+            <a:ext cx="4015800" cy="1422720"/>
           </a:xfrm>
           <a:prstGeom prst="rect">
             <a:avLst/>
@@ -1373,8 +1373,8 @@
         </p:nvSpPr>
         <p:spPr>
           <a:xfrm>
-            <a:off x="311760" y="292680"/>
-            <a:ext cx="8519760" cy="800280"/>
+            <a:off x="457200" y="205200"/>
+            <a:ext cx="8229240" cy="858600"/>
           </a:xfrm>
           <a:prstGeom prst="rect">
             <a:avLst/>
@@ -1404,8 +1404,8 @@
         </p:nvSpPr>
         <p:spPr>
           <a:xfrm>
-            <a:off x="311760" y="1228680"/>
-            <a:ext cx="4157280" cy="1592640"/>
+            <a:off x="457200" y="1203480"/>
+            <a:ext cx="4015800" cy="1422720"/>
           </a:xfrm>
           <a:prstGeom prst="rect">
             <a:avLst/>
@@ -1434,8 +1434,8 @@
         </p:nvSpPr>
         <p:spPr>
           <a:xfrm>
-            <a:off x="4677120" y="1228680"/>
-            <a:ext cx="4157280" cy="1592640"/>
+            <a:off x="4674240" y="1203480"/>
+            <a:ext cx="4015800" cy="1422720"/>
           </a:xfrm>
           <a:prstGeom prst="rect">
             <a:avLst/>
@@ -1464,8 +1464,8 @@
         </p:nvSpPr>
         <p:spPr>
           <a:xfrm>
-            <a:off x="311760" y="2972880"/>
-            <a:ext cx="8519760" cy="1592640"/>
+            <a:off x="457200" y="2761920"/>
+            <a:ext cx="8229240" cy="1422720"/>
           </a:xfrm>
           <a:prstGeom prst="rect">
             <a:avLst/>
@@ -1516,8 +1516,8 @@
         </p:nvSpPr>
         <p:spPr>
           <a:xfrm>
-            <a:off x="311760" y="292680"/>
-            <a:ext cx="8519760" cy="800280"/>
+            <a:off x="457200" y="205200"/>
+            <a:ext cx="8229240" cy="858600"/>
           </a:xfrm>
           <a:prstGeom prst="rect">
             <a:avLst/>
@@ -1547,8 +1547,8 @@
         </p:nvSpPr>
         <p:spPr>
           <a:xfrm>
-            <a:off x="311760" y="1228680"/>
-            <a:ext cx="8519760" cy="1592640"/>
+            <a:off x="457200" y="1203480"/>
+            <a:ext cx="8229240" cy="1422720"/>
           </a:xfrm>
           <a:prstGeom prst="rect">
             <a:avLst/>
@@ -1577,8 +1577,8 @@
         </p:nvSpPr>
         <p:spPr>
           <a:xfrm>
-            <a:off x="311760" y="2972880"/>
-            <a:ext cx="8519760" cy="1592640"/>
+            <a:off x="457200" y="2761920"/>
+            <a:ext cx="8229240" cy="1422720"/>
           </a:xfrm>
           <a:prstGeom prst="rect">
             <a:avLst/>
@@ -1629,8 +1629,8 @@
         </p:nvSpPr>
         <p:spPr>
           <a:xfrm>
-            <a:off x="311760" y="292680"/>
-            <a:ext cx="8519760" cy="800280"/>
+            <a:off x="457200" y="205200"/>
+            <a:ext cx="8229240" cy="858600"/>
           </a:xfrm>
           <a:prstGeom prst="rect">
             <a:avLst/>
@@ -1660,8 +1660,8 @@
         </p:nvSpPr>
         <p:spPr>
           <a:xfrm>
-            <a:off x="311760" y="1228680"/>
-            <a:ext cx="4157280" cy="1592640"/>
+            <a:off x="457200" y="1203480"/>
+            <a:ext cx="4015800" cy="1422720"/>
           </a:xfrm>
           <a:prstGeom prst="rect">
             <a:avLst/>
@@ -1690,8 +1690,8 @@
         </p:nvSpPr>
         <p:spPr>
           <a:xfrm>
-            <a:off x="4677120" y="1228680"/>
-            <a:ext cx="4157280" cy="1592640"/>
+            <a:off x="4674240" y="1203480"/>
+            <a:ext cx="4015800" cy="1422720"/>
           </a:xfrm>
           <a:prstGeom prst="rect">
             <a:avLst/>
@@ -1720,8 +1720,8 @@
         </p:nvSpPr>
         <p:spPr>
           <a:xfrm>
-            <a:off x="311760" y="2972880"/>
-            <a:ext cx="4157280" cy="1592640"/>
+            <a:off x="457200" y="2761920"/>
+            <a:ext cx="4015800" cy="1422720"/>
           </a:xfrm>
           <a:prstGeom prst="rect">
             <a:avLst/>
@@ -1750,8 +1750,8 @@
         </p:nvSpPr>
         <p:spPr>
           <a:xfrm>
-            <a:off x="4677120" y="2972880"/>
-            <a:ext cx="4157280" cy="1592640"/>
+            <a:off x="4674240" y="2761920"/>
+            <a:ext cx="4015800" cy="1422720"/>
           </a:xfrm>
           <a:prstGeom prst="rect">
             <a:avLst/>
@@ -1802,8 +1802,8 @@
         </p:nvSpPr>
         <p:spPr>
           <a:xfrm>
-            <a:off x="311760" y="292680"/>
-            <a:ext cx="8519760" cy="800280"/>
+            <a:off x="457200" y="205200"/>
+            <a:ext cx="8229240" cy="858600"/>
           </a:xfrm>
           <a:prstGeom prst="rect">
             <a:avLst/>
@@ -1833,8 +1833,8 @@
         </p:nvSpPr>
         <p:spPr>
           <a:xfrm>
-            <a:off x="311760" y="1228680"/>
-            <a:ext cx="2743200" cy="1592640"/>
+            <a:off x="457200" y="1203480"/>
+            <a:ext cx="2649600" cy="1422720"/>
           </a:xfrm>
           <a:prstGeom prst="rect">
             <a:avLst/>
@@ -1863,8 +1863,8 @@
         </p:nvSpPr>
         <p:spPr>
           <a:xfrm>
-            <a:off x="3192480" y="1228680"/>
-            <a:ext cx="2743200" cy="1592640"/>
+            <a:off x="3239640" y="1203480"/>
+            <a:ext cx="2649600" cy="1422720"/>
           </a:xfrm>
           <a:prstGeom prst="rect">
             <a:avLst/>
@@ -1893,8 +1893,8 @@
         </p:nvSpPr>
         <p:spPr>
           <a:xfrm>
-            <a:off x="6073200" y="1228680"/>
-            <a:ext cx="2743200" cy="1592640"/>
+            <a:off x="6022080" y="1203480"/>
+            <a:ext cx="2649600" cy="1422720"/>
           </a:xfrm>
           <a:prstGeom prst="rect">
             <a:avLst/>
@@ -1923,8 +1923,8 @@
         </p:nvSpPr>
         <p:spPr>
           <a:xfrm>
-            <a:off x="311760" y="2972880"/>
-            <a:ext cx="2743200" cy="1592640"/>
+            <a:off x="457200" y="2761920"/>
+            <a:ext cx="2649600" cy="1422720"/>
           </a:xfrm>
           <a:prstGeom prst="rect">
             <a:avLst/>
@@ -1953,8 +1953,8 @@
         </p:nvSpPr>
         <p:spPr>
           <a:xfrm>
-            <a:off x="3192480" y="2972880"/>
-            <a:ext cx="2743200" cy="1592640"/>
+            <a:off x="3239640" y="2761920"/>
+            <a:ext cx="2649600" cy="1422720"/>
           </a:xfrm>
           <a:prstGeom prst="rect">
             <a:avLst/>
@@ -1983,8 +1983,8 @@
         </p:nvSpPr>
         <p:spPr>
           <a:xfrm>
-            <a:off x="6073200" y="2972880"/>
-            <a:ext cx="2743200" cy="1592640"/>
+            <a:off x="6022080" y="2761920"/>
+            <a:ext cx="2649600" cy="1422720"/>
           </a:xfrm>
           <a:prstGeom prst="rect">
             <a:avLst/>
@@ -2035,8 +2035,8 @@
         </p:nvSpPr>
         <p:spPr>
           <a:xfrm>
-            <a:off x="311760" y="292680"/>
-            <a:ext cx="8519760" cy="800280"/>
+            <a:off x="457200" y="205200"/>
+            <a:ext cx="8229240" cy="858600"/>
           </a:xfrm>
           <a:prstGeom prst="rect">
             <a:avLst/>
@@ -2066,8 +2066,8 @@
         </p:nvSpPr>
         <p:spPr>
           <a:xfrm>
-            <a:off x="311760" y="1228680"/>
-            <a:ext cx="8519760" cy="3339360"/>
+            <a:off x="457200" y="1203480"/>
+            <a:ext cx="8229240" cy="2982960"/>
           </a:xfrm>
           <a:prstGeom prst="rect">
             <a:avLst/>
@@ -2118,8 +2118,8 @@
         </p:nvSpPr>
         <p:spPr>
           <a:xfrm>
-            <a:off x="311760" y="292680"/>
-            <a:ext cx="8519760" cy="800280"/>
+            <a:off x="457200" y="205200"/>
+            <a:ext cx="8229240" cy="858600"/>
           </a:xfrm>
           <a:prstGeom prst="rect">
             <a:avLst/>
@@ -2149,8 +2149,8 @@
         </p:nvSpPr>
         <p:spPr>
           <a:xfrm>
-            <a:off x="311760" y="1228680"/>
-            <a:ext cx="4157280" cy="3339360"/>
+            <a:off x="457200" y="1203480"/>
+            <a:ext cx="4015800" cy="2982960"/>
           </a:xfrm>
           <a:prstGeom prst="rect">
             <a:avLst/>
@@ -2179,8 +2179,8 @@
         </p:nvSpPr>
         <p:spPr>
           <a:xfrm>
-            <a:off x="4677120" y="1228680"/>
-            <a:ext cx="4157280" cy="3339360"/>
+            <a:off x="4674240" y="1203480"/>
+            <a:ext cx="4015800" cy="2982960"/>
           </a:xfrm>
           <a:prstGeom prst="rect">
             <a:avLst/>
@@ -2231,8 +2231,8 @@
         </p:nvSpPr>
         <p:spPr>
           <a:xfrm>
-            <a:off x="311760" y="292680"/>
-            <a:ext cx="8519760" cy="800280"/>
+            <a:off x="457200" y="205200"/>
+            <a:ext cx="8229240" cy="858600"/>
           </a:xfrm>
           <a:prstGeom prst="rect">
             <a:avLst/>
@@ -2284,8 +2284,8 @@
         </p:nvSpPr>
         <p:spPr>
           <a:xfrm>
-            <a:off x="311760" y="292680"/>
-            <a:ext cx="8519760" cy="3710880"/>
+            <a:off x="457200" y="205200"/>
+            <a:ext cx="8229240" cy="3981240"/>
           </a:xfrm>
           <a:prstGeom prst="rect">
             <a:avLst/>
@@ -2337,8 +2337,8 @@
         </p:nvSpPr>
         <p:spPr>
           <a:xfrm>
-            <a:off x="311760" y="292680"/>
-            <a:ext cx="8519760" cy="800280"/>
+            <a:off x="457200" y="205200"/>
+            <a:ext cx="8229240" cy="858600"/>
           </a:xfrm>
           <a:prstGeom prst="rect">
             <a:avLst/>
@@ -2368,8 +2368,8 @@
         </p:nvSpPr>
         <p:spPr>
           <a:xfrm>
-            <a:off x="311760" y="1228680"/>
-            <a:ext cx="4157280" cy="1592640"/>
+            <a:off x="457200" y="1203480"/>
+            <a:ext cx="4015800" cy="1422720"/>
           </a:xfrm>
           <a:prstGeom prst="rect">
             <a:avLst/>
@@ -2398,8 +2398,8 @@
         </p:nvSpPr>
         <p:spPr>
           <a:xfrm>
-            <a:off x="4677120" y="1228680"/>
-            <a:ext cx="4157280" cy="3339360"/>
+            <a:off x="4674240" y="1203480"/>
+            <a:ext cx="4015800" cy="2982960"/>
           </a:xfrm>
           <a:prstGeom prst="rect">
             <a:avLst/>
@@ -2428,8 +2428,8 @@
         </p:nvSpPr>
         <p:spPr>
           <a:xfrm>
-            <a:off x="311760" y="2972880"/>
-            <a:ext cx="4157280" cy="1592640"/>
+            <a:off x="457200" y="2761920"/>
+            <a:ext cx="4015800" cy="1422720"/>
           </a:xfrm>
           <a:prstGeom prst="rect">
             <a:avLst/>
@@ -2480,8 +2480,8 @@
         </p:nvSpPr>
         <p:spPr>
           <a:xfrm>
-            <a:off x="311760" y="292680"/>
-            <a:ext cx="8519760" cy="800280"/>
+            <a:off x="457200" y="205200"/>
+            <a:ext cx="8229240" cy="858600"/>
           </a:xfrm>
           <a:prstGeom prst="rect">
             <a:avLst/>
@@ -2511,8 +2511,8 @@
         </p:nvSpPr>
         <p:spPr>
           <a:xfrm>
-            <a:off x="311760" y="1228680"/>
-            <a:ext cx="4157280" cy="3339360"/>
+            <a:off x="457200" y="1203480"/>
+            <a:ext cx="4015800" cy="2982960"/>
           </a:xfrm>
           <a:prstGeom prst="rect">
             <a:avLst/>
@@ -2541,8 +2541,8 @@
         </p:nvSpPr>
         <p:spPr>
           <a:xfrm>
-            <a:off x="4677120" y="1228680"/>
-            <a:ext cx="4157280" cy="1592640"/>
+            <a:off x="4674240" y="1203480"/>
+            <a:ext cx="4015800" cy="1422720"/>
           </a:xfrm>
           <a:prstGeom prst="rect">
             <a:avLst/>
@@ -2571,8 +2571,8 @@
         </p:nvSpPr>
         <p:spPr>
           <a:xfrm>
-            <a:off x="4677120" y="2972880"/>
-            <a:ext cx="4157280" cy="1592640"/>
+            <a:off x="4674240" y="2761920"/>
+            <a:ext cx="4015800" cy="1422720"/>
           </a:xfrm>
           <a:prstGeom prst="rect">
             <a:avLst/>
@@ -2623,8 +2623,8 @@
         </p:nvSpPr>
         <p:spPr>
           <a:xfrm>
-            <a:off x="311760" y="292680"/>
-            <a:ext cx="8519760" cy="800280"/>
+            <a:off x="457200" y="205200"/>
+            <a:ext cx="8229240" cy="858600"/>
           </a:xfrm>
           <a:prstGeom prst="rect">
             <a:avLst/>
@@ -2654,8 +2654,8 @@
         </p:nvSpPr>
         <p:spPr>
           <a:xfrm>
-            <a:off x="311760" y="1228680"/>
-            <a:ext cx="4157280" cy="1592640"/>
+            <a:off x="457200" y="1203480"/>
+            <a:ext cx="4015800" cy="1422720"/>
           </a:xfrm>
           <a:prstGeom prst="rect">
             <a:avLst/>
@@ -2684,8 +2684,8 @@
         </p:nvSpPr>
         <p:spPr>
           <a:xfrm>
-            <a:off x="4677120" y="1228680"/>
-            <a:ext cx="4157280" cy="1592640"/>
+            <a:off x="4674240" y="1203480"/>
+            <a:ext cx="4015800" cy="1422720"/>
           </a:xfrm>
           <a:prstGeom prst="rect">
             <a:avLst/>
@@ -2714,8 +2714,8 @@
         </p:nvSpPr>
         <p:spPr>
           <a:xfrm>
-            <a:off x="311760" y="2972880"/>
-            <a:ext cx="8519760" cy="1592640"/>
+            <a:off x="457200" y="2761920"/>
+            <a:ext cx="8229240" cy="1422720"/>
           </a:xfrm>
           <a:prstGeom prst="rect">
             <a:avLst/>
@@ -2770,7 +2770,7 @@
         <p:spPr>
           <a:xfrm>
             <a:off x="0" y="0"/>
-            <a:ext cx="9143280" cy="3428280"/>
+            <a:ext cx="9142920" cy="3427920"/>
           </a:xfrm>
           <a:prstGeom prst="rect">
             <a:avLst/>
@@ -2778,7 +2778,7 @@
           <a:solidFill>
             <a:schemeClr val="lt1"/>
           </a:solidFill>
-          <a:ln>
+          <a:ln w="0">
             <a:noFill/>
           </a:ln>
         </p:spPr>
@@ -2802,7 +2802,7 @@
         <p:spPr>
           <a:xfrm>
             <a:off x="311760" y="292680"/>
-            <a:ext cx="8519760" cy="800280"/>
+            <a:ext cx="8519400" cy="799920"/>
           </a:xfrm>
           <a:prstGeom prst="rect">
             <a:avLst/>
@@ -2813,6 +2813,7 @@
             <a:noAutofit/>
           </a:bodyPr>
           <a:p>
+            <a:pPr algn="ctr"/>
             <a:r>
               <a:rPr b="0" lang="en-US" sz="1800" spc="-1" strike="noStrike">
                 <a:latin typeface="Arial"/>
@@ -2837,8 +2838,8 @@
         </p:nvSpPr>
         <p:spPr>
           <a:xfrm>
-            <a:off x="457200" y="1203480"/>
-            <a:ext cx="8229240" cy="2982960"/>
+            <a:off x="311760" y="1228680"/>
+            <a:ext cx="8519400" cy="3339000"/>
           </a:xfrm>
           <a:prstGeom prst="rect">
             <a:avLst/>
@@ -2849,7 +2850,7 @@
             <a:normAutofit/>
           </a:bodyPr>
           <a:p>
-            <a:pPr marL="432000" indent="-324000">
+            <a:pPr marL="432000" indent="-324000" algn="ctr">
               <a:spcBef>
                 <a:spcPts val="1417"/>
               </a:spcBef>
@@ -2861,17 +2862,17 @@
               <a:buChar char=""/>
             </a:pPr>
             <a:r>
-              <a:rPr b="0" lang="en-US" sz="3200" spc="-1" strike="noStrike">
+              <a:rPr b="0" lang="en-US" sz="1800" spc="-1" strike="noStrike">
                 <a:latin typeface="Arial"/>
               </a:rPr>
               <a:t>Click to edit the outline text format</a:t>
             </a:r>
-            <a:endParaRPr b="0" lang="en-US" sz="3200" spc="-1" strike="noStrike">
-              <a:latin typeface="Arial"/>
-            </a:endParaRPr>
-          </a:p>
-          <a:p>
-            <a:pPr lvl="1" marL="864000" indent="-324000">
+            <a:endParaRPr b="0" lang="en-US" sz="1800" spc="-1" strike="noStrike">
+              <a:latin typeface="Arial"/>
+            </a:endParaRPr>
+          </a:p>
+          <a:p>
+            <a:pPr lvl="1" marL="864000" indent="-324000" algn="ctr">
               <a:spcBef>
                 <a:spcPts val="1134"/>
               </a:spcBef>
@@ -2883,17 +2884,17 @@
               <a:buChar char=""/>
             </a:pPr>
             <a:r>
-              <a:rPr b="0" lang="en-US" sz="2800" spc="-1" strike="noStrike">
+              <a:rPr b="0" lang="en-US" sz="1800" spc="-1" strike="noStrike">
                 <a:latin typeface="Arial"/>
               </a:rPr>
               <a:t>Second Outline Level</a:t>
             </a:r>
-            <a:endParaRPr b="0" lang="en-US" sz="2800" spc="-1" strike="noStrike">
-              <a:latin typeface="Arial"/>
-            </a:endParaRPr>
-          </a:p>
-          <a:p>
-            <a:pPr lvl="2" marL="1296000" indent="-288000">
+            <a:endParaRPr b="0" lang="en-US" sz="1800" spc="-1" strike="noStrike">
+              <a:latin typeface="Arial"/>
+            </a:endParaRPr>
+          </a:p>
+          <a:p>
+            <a:pPr lvl="2" marL="1296000" indent="-288000" algn="ctr">
               <a:spcBef>
                 <a:spcPts val="850"/>
               </a:spcBef>
@@ -2905,17 +2906,17 @@
               <a:buChar char=""/>
             </a:pPr>
             <a:r>
-              <a:rPr b="0" lang="en-US" sz="2400" spc="-1" strike="noStrike">
+              <a:rPr b="0" lang="en-US" sz="1800" spc="-1" strike="noStrike">
                 <a:latin typeface="Arial"/>
               </a:rPr>
               <a:t>Third Outline Level</a:t>
             </a:r>
-            <a:endParaRPr b="0" lang="en-US" sz="2400" spc="-1" strike="noStrike">
-              <a:latin typeface="Arial"/>
-            </a:endParaRPr>
-          </a:p>
-          <a:p>
-            <a:pPr lvl="3" marL="1728000" indent="-216000">
+            <a:endParaRPr b="0" lang="en-US" sz="1800" spc="-1" strike="noStrike">
+              <a:latin typeface="Arial"/>
+            </a:endParaRPr>
+          </a:p>
+          <a:p>
+            <a:pPr lvl="3" marL="1728000" indent="-216000" algn="ctr">
               <a:spcBef>
                 <a:spcPts val="567"/>
               </a:spcBef>
@@ -2927,17 +2928,17 @@
               <a:buChar char=""/>
             </a:pPr>
             <a:r>
-              <a:rPr b="0" lang="en-US" sz="2000" spc="-1" strike="noStrike">
+              <a:rPr b="0" lang="en-US" sz="1800" spc="-1" strike="noStrike">
                 <a:latin typeface="Arial"/>
               </a:rPr>
               <a:t>Fourth Outline Level</a:t>
             </a:r>
-            <a:endParaRPr b="0" lang="en-US" sz="2000" spc="-1" strike="noStrike">
-              <a:latin typeface="Arial"/>
-            </a:endParaRPr>
-          </a:p>
-          <a:p>
-            <a:pPr lvl="4" marL="2160000" indent="-216000">
+            <a:endParaRPr b="0" lang="en-US" sz="1800" spc="-1" strike="noStrike">
+              <a:latin typeface="Arial"/>
+            </a:endParaRPr>
+          </a:p>
+          <a:p>
+            <a:pPr lvl="4" marL="2160000" indent="-216000" algn="ctr">
               <a:spcBef>
                 <a:spcPts val="283"/>
               </a:spcBef>
@@ -2949,17 +2950,17 @@
               <a:buChar char=""/>
             </a:pPr>
             <a:r>
-              <a:rPr b="0" lang="en-US" sz="2000" spc="-1" strike="noStrike">
+              <a:rPr b="0" lang="en-US" sz="1800" spc="-1" strike="noStrike">
                 <a:latin typeface="Arial"/>
               </a:rPr>
               <a:t>Fifth Outline Level</a:t>
             </a:r>
-            <a:endParaRPr b="0" lang="en-US" sz="2000" spc="-1" strike="noStrike">
-              <a:latin typeface="Arial"/>
-            </a:endParaRPr>
-          </a:p>
-          <a:p>
-            <a:pPr lvl="5" marL="2592000" indent="-216000">
+            <a:endParaRPr b="0" lang="en-US" sz="1800" spc="-1" strike="noStrike">
+              <a:latin typeface="Arial"/>
+            </a:endParaRPr>
+          </a:p>
+          <a:p>
+            <a:pPr lvl="5" marL="2592000" indent="-216000" algn="ctr">
               <a:spcBef>
                 <a:spcPts val="283"/>
               </a:spcBef>
@@ -2971,17 +2972,17 @@
               <a:buChar char=""/>
             </a:pPr>
             <a:r>
-              <a:rPr b="0" lang="en-US" sz="2000" spc="-1" strike="noStrike">
+              <a:rPr b="0" lang="en-US" sz="1800" spc="-1" strike="noStrike">
                 <a:latin typeface="Arial"/>
               </a:rPr>
               <a:t>Sixth Outline Level</a:t>
             </a:r>
-            <a:endParaRPr b="0" lang="en-US" sz="2000" spc="-1" strike="noStrike">
-              <a:latin typeface="Arial"/>
-            </a:endParaRPr>
-          </a:p>
-          <a:p>
-            <a:pPr lvl="6" marL="3024000" indent="-216000">
+            <a:endParaRPr b="0" lang="en-US" sz="1800" spc="-1" strike="noStrike">
+              <a:latin typeface="Arial"/>
+            </a:endParaRPr>
+          </a:p>
+          <a:p>
+            <a:pPr lvl="6" marL="3024000" indent="-216000" algn="ctr">
               <a:spcBef>
                 <a:spcPts val="283"/>
               </a:spcBef>
@@ -2993,12 +2994,12 @@
               <a:buChar char=""/>
             </a:pPr>
             <a:r>
-              <a:rPr b="0" lang="en-US" sz="2000" spc="-1" strike="noStrike">
+              <a:rPr b="0" lang="en-US" sz="1800" spc="-1" strike="noStrike">
                 <a:latin typeface="Arial"/>
               </a:rPr>
               <a:t>Seventh Outline Level</a:t>
             </a:r>
-            <a:endParaRPr b="0" lang="en-US" sz="2000" spc="-1" strike="noStrike">
+            <a:endParaRPr b="0" lang="en-US" sz="1800" spc="-1" strike="noStrike">
               <a:latin typeface="Arial"/>
             </a:endParaRPr>
           </a:p>
@@ -3060,8 +3061,8 @@
         </p:nvSpPr>
         <p:spPr>
           <a:xfrm>
-            <a:off x="311760" y="292680"/>
-            <a:ext cx="8519760" cy="800280"/>
+            <a:off x="457200" y="205200"/>
+            <a:ext cx="8229240" cy="858600"/>
           </a:xfrm>
           <a:prstGeom prst="rect">
             <a:avLst/>
@@ -3072,13 +3073,14 @@
             <a:noAutofit/>
           </a:bodyPr>
           <a:p>
-            <a:r>
-              <a:rPr b="0" lang="en-US" sz="1800" spc="-1" strike="noStrike">
+            <a:pPr algn="ctr"/>
+            <a:r>
+              <a:rPr b="0" lang="en-US" sz="4400" spc="-1" strike="noStrike">
                 <a:latin typeface="Arial"/>
               </a:rPr>
               <a:t>Click to edit the title text format</a:t>
             </a:r>
-            <a:endParaRPr b="0" lang="en-US" sz="1800" spc="-1" strike="noStrike">
+            <a:endParaRPr b="0" lang="en-US" sz="4400" spc="-1" strike="noStrike">
               <a:latin typeface="Arial"/>
             </a:endParaRPr>
           </a:p>
@@ -3096,8 +3098,8 @@
         </p:nvSpPr>
         <p:spPr>
           <a:xfrm>
-            <a:off x="311760" y="1228680"/>
-            <a:ext cx="8519760" cy="3339360"/>
+            <a:off x="457200" y="1203480"/>
+            <a:ext cx="8229240" cy="2982960"/>
           </a:xfrm>
           <a:prstGeom prst="rect">
             <a:avLst/>
@@ -3120,12 +3122,12 @@
               <a:buChar char=""/>
             </a:pPr>
             <a:r>
-              <a:rPr b="0" lang="en-US" sz="1800" spc="-1" strike="noStrike">
+              <a:rPr b="0" lang="en-US" sz="3200" spc="-1" strike="noStrike">
                 <a:latin typeface="Arial"/>
               </a:rPr>
               <a:t>Click to edit the outline text format</a:t>
             </a:r>
-            <a:endParaRPr b="0" lang="en-US" sz="1800" spc="-1" strike="noStrike">
+            <a:endParaRPr b="0" lang="en-US" sz="3200" spc="-1" strike="noStrike">
               <a:latin typeface="Arial"/>
             </a:endParaRPr>
           </a:p>
@@ -3142,12 +3144,12 @@
               <a:buChar char=""/>
             </a:pPr>
             <a:r>
-              <a:rPr b="0" lang="en-US" sz="1800" spc="-1" strike="noStrike">
+              <a:rPr b="0" lang="en-US" sz="2800" spc="-1" strike="noStrike">
                 <a:latin typeface="Arial"/>
               </a:rPr>
               <a:t>Second Outline Level</a:t>
             </a:r>
-            <a:endParaRPr b="0" lang="en-US" sz="1800" spc="-1" strike="noStrike">
+            <a:endParaRPr b="0" lang="en-US" sz="2800" spc="-1" strike="noStrike">
               <a:latin typeface="Arial"/>
             </a:endParaRPr>
           </a:p>
@@ -3164,12 +3166,12 @@
               <a:buChar char=""/>
             </a:pPr>
             <a:r>
-              <a:rPr b="0" lang="en-US" sz="1800" spc="-1" strike="noStrike">
+              <a:rPr b="0" lang="en-US" sz="2400" spc="-1" strike="noStrike">
                 <a:latin typeface="Arial"/>
               </a:rPr>
               <a:t>Third Outline Level</a:t>
             </a:r>
-            <a:endParaRPr b="0" lang="en-US" sz="1800" spc="-1" strike="noStrike">
+            <a:endParaRPr b="0" lang="en-US" sz="2400" spc="-1" strike="noStrike">
               <a:latin typeface="Arial"/>
             </a:endParaRPr>
           </a:p>
@@ -3186,12 +3188,12 @@
               <a:buChar char=""/>
             </a:pPr>
             <a:r>
-              <a:rPr b="0" lang="en-US" sz="1800" spc="-1" strike="noStrike">
+              <a:rPr b="0" lang="en-US" sz="2000" spc="-1" strike="noStrike">
                 <a:latin typeface="Arial"/>
               </a:rPr>
               <a:t>Fourth Outline Level</a:t>
             </a:r>
-            <a:endParaRPr b="0" lang="en-US" sz="1800" spc="-1" strike="noStrike">
+            <a:endParaRPr b="0" lang="en-US" sz="2000" spc="-1" strike="noStrike">
               <a:latin typeface="Arial"/>
             </a:endParaRPr>
           </a:p>
@@ -3208,12 +3210,12 @@
               <a:buChar char=""/>
             </a:pPr>
             <a:r>
-              <a:rPr b="0" lang="en-US" sz="1800" spc="-1" strike="noStrike">
+              <a:rPr b="0" lang="en-US" sz="2000" spc="-1" strike="noStrike">
                 <a:latin typeface="Arial"/>
               </a:rPr>
               <a:t>Fifth Outline Level</a:t>
             </a:r>
-            <a:endParaRPr b="0" lang="en-US" sz="1800" spc="-1" strike="noStrike">
+            <a:endParaRPr b="0" lang="en-US" sz="2000" spc="-1" strike="noStrike">
               <a:latin typeface="Arial"/>
             </a:endParaRPr>
           </a:p>
@@ -3230,12 +3232,12 @@
               <a:buChar char=""/>
             </a:pPr>
             <a:r>
-              <a:rPr b="0" lang="en-US" sz="1800" spc="-1" strike="noStrike">
+              <a:rPr b="0" lang="en-US" sz="2000" spc="-1" strike="noStrike">
                 <a:latin typeface="Arial"/>
               </a:rPr>
               <a:t>Sixth Outline Level</a:t>
             </a:r>
-            <a:endParaRPr b="0" lang="en-US" sz="1800" spc="-1" strike="noStrike">
+            <a:endParaRPr b="0" lang="en-US" sz="2000" spc="-1" strike="noStrike">
               <a:latin typeface="Arial"/>
             </a:endParaRPr>
           </a:p>
@@ -3252,12 +3254,12 @@
               <a:buChar char=""/>
             </a:pPr>
             <a:r>
-              <a:rPr b="0" lang="en-US" sz="1800" spc="-1" strike="noStrike">
+              <a:rPr b="0" lang="en-US" sz="2000" spc="-1" strike="noStrike">
                 <a:latin typeface="Arial"/>
               </a:rPr>
               <a:t>Seventh Outline Level</a:t>
             </a:r>
-            <a:endParaRPr b="0" lang="en-US" sz="1800" spc="-1" strike="noStrike">
+            <a:endParaRPr b="0" lang="en-US" sz="2000" spc="-1" strike="noStrike">
               <a:latin typeface="Arial"/>
             </a:endParaRPr>
           </a:p>
@@ -3313,12 +3315,12 @@
         <p:spPr>
           <a:xfrm>
             <a:off x="0" y="0"/>
-            <a:ext cx="5152680" cy="3437640"/>
-          </a:xfrm>
-          <a:prstGeom prst="rect">
-            <a:avLst/>
-          </a:prstGeom>
-          <a:ln>
+            <a:ext cx="5152320" cy="3437280"/>
+          </a:xfrm>
+          <a:prstGeom prst="rect">
+            <a:avLst/>
+          </a:prstGeom>
+          <a:ln w="0">
             <a:noFill/>
           </a:ln>
         </p:spPr>
@@ -3332,13 +3334,13 @@
         <p:spPr>
           <a:xfrm>
             <a:off x="5591160" y="4015080"/>
-            <a:ext cx="3231360" cy="836280"/>
+            <a:ext cx="3231000" cy="835920"/>
           </a:xfrm>
           <a:prstGeom prst="rect">
             <a:avLst/>
           </a:prstGeom>
           <a:noFill/>
-          <a:ln>
+          <a:ln w="0">
             <a:noFill/>
           </a:ln>
         </p:spPr>
@@ -3406,13 +3408,13 @@
         <p:spPr>
           <a:xfrm>
             <a:off x="5153400" y="894960"/>
-            <a:ext cx="3668760" cy="1340280"/>
+            <a:ext cx="3668400" cy="1339920"/>
           </a:xfrm>
           <a:prstGeom prst="rect">
             <a:avLst/>
           </a:prstGeom>
           <a:noFill/>
-          <a:ln>
+          <a:ln w="0">
             <a:noFill/>
           </a:ln>
         </p:spPr>
@@ -3500,7 +3502,7 @@
         <p:spPr>
           <a:xfrm>
             <a:off x="0" y="0"/>
-            <a:ext cx="9143280" cy="582840"/>
+            <a:ext cx="9142920" cy="582480"/>
           </a:xfrm>
           <a:prstGeom prst="rect">
             <a:avLst/>
@@ -3516,7 +3518,7 @@
             </a:gsLst>
             <a:lin ang="5400000"/>
           </a:gradFill>
-          <a:ln>
+          <a:ln w="0">
             <a:noFill/>
           </a:ln>
         </p:spPr>
@@ -3528,7 +3530,7 @@
         </p:style>
         <p:txBody>
           <a:bodyPr lIns="90000" rIns="90000" tIns="91440" bIns="91440" anchor="ctr">
-            <a:normAutofit fontScale="36000"/>
+            <a:normAutofit fontScale="41000"/>
           </a:bodyPr>
           <a:p>
             <a:pPr>
@@ -3584,13 +3586,13 @@
         <p:spPr>
           <a:xfrm>
             <a:off x="276480" y="836640"/>
-            <a:ext cx="8658720" cy="4021920"/>
+            <a:ext cx="8658360" cy="4021560"/>
           </a:xfrm>
           <a:prstGeom prst="rect">
             <a:avLst/>
           </a:prstGeom>
           <a:noFill/>
-          <a:ln>
+          <a:ln w="0">
             <a:noFill/>
           </a:ln>
         </p:spPr>
@@ -3641,7 +3643,7 @@
         <p:spPr>
           <a:xfrm>
             <a:off x="181440" y="1248120"/>
-            <a:ext cx="8658720" cy="3778200"/>
+            <a:ext cx="8658360" cy="3777840"/>
           </a:xfrm>
           <a:prstGeom prst="bevel">
             <a:avLst>
@@ -3795,40 +3797,8 @@
                 <a:latin typeface="Source Code Pro"/>
                 <a:ea typeface="Source Code Pro"/>
               </a:rPr>
-              <a:t>plt.plot(df["date"], df["t"])</a:t>
-            </a:r>
-            <a:endParaRPr b="0" lang="en-US" sz="1400" spc="-1" strike="noStrike">
-              <a:latin typeface="Arial"/>
-            </a:endParaRPr>
-          </a:p>
-          <a:p>
-            <a:pPr>
-              <a:lnSpc>
-                <a:spcPct val="100000"/>
-              </a:lnSpc>
-              <a:spcBef>
-                <a:spcPts val="99"/>
-              </a:spcBef>
-              <a:tabLst>
-                <a:tab algn="l" pos="0"/>
-              </a:tabLst>
-            </a:pPr>
-            <a:endParaRPr b="0" lang="en-US" sz="1400" spc="-1" strike="noStrike">
-              <a:latin typeface="Arial"/>
-            </a:endParaRPr>
-          </a:p>
-          <a:p>
-            <a:pPr>
-              <a:lnSpc>
-                <a:spcPct val="100000"/>
-              </a:lnSpc>
-              <a:spcBef>
-                <a:spcPts val="99"/>
-              </a:spcBef>
-              <a:tabLst>
-                <a:tab algn="l" pos="0"/>
-              </a:tabLst>
-            </a:pPr>
+              <a:t>plt.plot(df["date"], df["temp</a:t>
+            </a:r>
             <a:r>
               <a:rPr b="0" lang="en-US" sz="1400" spc="-1" strike="noStrike">
                 <a:solidFill>
@@ -3837,24 +3807,8 @@
                 <a:latin typeface="Source Code Pro"/>
                 <a:ea typeface="Source Code Pro"/>
               </a:rPr>
-              <a:t>plt.ylim([15, 30])</a:t>
-            </a:r>
-            <a:endParaRPr b="0" lang="en-US" sz="1400" spc="-1" strike="noStrike">
-              <a:latin typeface="Arial"/>
-            </a:endParaRPr>
-          </a:p>
-          <a:p>
-            <a:pPr>
-              <a:lnSpc>
-                <a:spcPct val="100000"/>
-              </a:lnSpc>
-              <a:spcBef>
-                <a:spcPts val="99"/>
-              </a:spcBef>
-              <a:tabLst>
-                <a:tab algn="l" pos="0"/>
-              </a:tabLst>
-            </a:pPr>
+              <a:t>"]</a:t>
+            </a:r>
             <a:endParaRPr b="0" lang="en-US" sz="1400" spc="-1" strike="noStrike">
               <a:latin typeface="Arial"/>
             </a:endParaRPr>
@@ -3993,13 +3947,13 @@
         <p:spPr>
           <a:xfrm>
             <a:off x="4318560" y="3927960"/>
-            <a:ext cx="3499920" cy="609120"/>
+            <a:ext cx="3499560" cy="608760"/>
           </a:xfrm>
           <a:prstGeom prst="rect">
             <a:avLst/>
           </a:prstGeom>
           <a:noFill/>
-          <a:ln>
+          <a:ln w="0">
             <a:noFill/>
           </a:ln>
         </p:spPr>
@@ -4077,7 +4031,7 @@
         <p:spPr>
           <a:xfrm>
             <a:off x="0" y="0"/>
-            <a:ext cx="9143280" cy="582840"/>
+            <a:ext cx="9142920" cy="582480"/>
           </a:xfrm>
           <a:prstGeom prst="rect">
             <a:avLst/>
@@ -4093,7 +4047,7 @@
             </a:gsLst>
             <a:lin ang="5400000"/>
           </a:gradFill>
-          <a:ln>
+          <a:ln w="0">
             <a:noFill/>
           </a:ln>
         </p:spPr>
@@ -4105,7 +4059,7 @@
         </p:style>
         <p:txBody>
           <a:bodyPr lIns="90000" rIns="90000" tIns="91440" bIns="91440" anchor="ctr">
-            <a:normAutofit fontScale="36000"/>
+            <a:normAutofit fontScale="41000"/>
           </a:bodyPr>
           <a:p>
             <a:pPr>
@@ -4165,12 +4119,12 @@
         <p:spPr>
           <a:xfrm>
             <a:off x="626760" y="678240"/>
-            <a:ext cx="5697720" cy="4273200"/>
-          </a:xfrm>
-          <a:prstGeom prst="rect">
-            <a:avLst/>
-          </a:prstGeom>
-          <a:ln>
+            <a:ext cx="5697360" cy="4272840"/>
+          </a:xfrm>
+          <a:prstGeom prst="rect">
+            <a:avLst/>
+          </a:prstGeom>
+          <a:ln w="0">
             <a:noFill/>
           </a:ln>
         </p:spPr>
@@ -4184,13 +4138,13 @@
         <p:spPr>
           <a:xfrm>
             <a:off x="746280" y="678240"/>
-            <a:ext cx="4059360" cy="396000"/>
+            <a:ext cx="4059000" cy="395640"/>
           </a:xfrm>
           <a:prstGeom prst="rect">
             <a:avLst/>
           </a:prstGeom>
           <a:noFill/>
-          <a:ln>
+          <a:ln w="0">
             <a:noFill/>
           </a:ln>
         </p:spPr>
@@ -4268,7 +4222,7 @@
         <p:spPr>
           <a:xfrm>
             <a:off x="0" y="0"/>
-            <a:ext cx="9143280" cy="582840"/>
+            <a:ext cx="9142920" cy="582480"/>
           </a:xfrm>
           <a:prstGeom prst="rect">
             <a:avLst/>
@@ -4284,7 +4238,7 @@
             </a:gsLst>
             <a:lin ang="5400000"/>
           </a:gradFill>
-          <a:ln>
+          <a:ln w="0">
             <a:noFill/>
           </a:ln>
         </p:spPr>
@@ -4296,7 +4250,7 @@
         </p:style>
         <p:txBody>
           <a:bodyPr lIns="90000" rIns="90000" tIns="91440" bIns="91440" anchor="ctr">
-            <a:normAutofit fontScale="36000"/>
+            <a:normAutofit fontScale="41000"/>
           </a:bodyPr>
           <a:p>
             <a:pPr>
@@ -4352,13 +4306,13 @@
         <p:spPr>
           <a:xfrm>
             <a:off x="276480" y="836640"/>
-            <a:ext cx="8658720" cy="4021920"/>
+            <a:ext cx="8658360" cy="4021560"/>
           </a:xfrm>
           <a:prstGeom prst="rect">
             <a:avLst/>
           </a:prstGeom>
           <a:noFill/>
-          <a:ln>
+          <a:ln w="0">
             <a:noFill/>
           </a:ln>
         </p:spPr>
@@ -4613,7 +4567,7 @@
         <p:spPr>
           <a:xfrm>
             <a:off x="0" y="0"/>
-            <a:ext cx="9143280" cy="582840"/>
+            <a:ext cx="9142920" cy="582480"/>
           </a:xfrm>
           <a:prstGeom prst="rect">
             <a:avLst/>
@@ -4629,7 +4583,7 @@
             </a:gsLst>
             <a:lin ang="5400000"/>
           </a:gradFill>
-          <a:ln>
+          <a:ln w="0">
             <a:noFill/>
           </a:ln>
         </p:spPr>
@@ -4641,7 +4595,7 @@
         </p:style>
         <p:txBody>
           <a:bodyPr lIns="90000" rIns="90000" tIns="91440" bIns="91440" anchor="ctr">
-            <a:normAutofit fontScale="36000"/>
+            <a:normAutofit fontScale="41000"/>
           </a:bodyPr>
           <a:p>
             <a:pPr>
@@ -4697,13 +4651,13 @@
         <p:spPr>
           <a:xfrm>
             <a:off x="276480" y="836640"/>
-            <a:ext cx="8658720" cy="4021920"/>
+            <a:ext cx="8658360" cy="4021560"/>
           </a:xfrm>
           <a:prstGeom prst="rect">
             <a:avLst/>
           </a:prstGeom>
           <a:noFill/>
-          <a:ln>
+          <a:ln w="0">
             <a:noFill/>
           </a:ln>
         </p:spPr>
@@ -4954,7 +4908,7 @@
         <p:spPr>
           <a:xfrm>
             <a:off x="0" y="0"/>
-            <a:ext cx="9143280" cy="582840"/>
+            <a:ext cx="9142920" cy="582480"/>
           </a:xfrm>
           <a:prstGeom prst="rect">
             <a:avLst/>
@@ -4970,7 +4924,7 @@
             </a:gsLst>
             <a:lin ang="5400000"/>
           </a:gradFill>
-          <a:ln>
+          <a:ln w="0">
             <a:noFill/>
           </a:ln>
         </p:spPr>
@@ -4982,7 +4936,7 @@
         </p:style>
         <p:txBody>
           <a:bodyPr lIns="90000" rIns="90000" tIns="91440" bIns="91440" anchor="ctr">
-            <a:normAutofit fontScale="36000"/>
+            <a:normAutofit fontScale="37000"/>
           </a:bodyPr>
           <a:p>
             <a:pPr>
@@ -5028,13 +4982,13 @@
         <p:spPr>
           <a:xfrm>
             <a:off x="276480" y="836640"/>
-            <a:ext cx="8658720" cy="4021920"/>
+            <a:ext cx="8658360" cy="4021560"/>
           </a:xfrm>
           <a:prstGeom prst="rect">
             <a:avLst/>
           </a:prstGeom>
           <a:noFill/>
-          <a:ln>
+          <a:ln w="0">
             <a:noFill/>
           </a:ln>
         </p:spPr>
@@ -5289,7 +5243,7 @@
         <p:spPr>
           <a:xfrm>
             <a:off x="0" y="0"/>
-            <a:ext cx="9143280" cy="582840"/>
+            <a:ext cx="9142920" cy="582480"/>
           </a:xfrm>
           <a:prstGeom prst="rect">
             <a:avLst/>
@@ -5305,7 +5259,7 @@
             </a:gsLst>
             <a:lin ang="5400000"/>
           </a:gradFill>
-          <a:ln>
+          <a:ln w="0">
             <a:noFill/>
           </a:ln>
         </p:spPr>
@@ -5317,7 +5271,7 @@
         </p:style>
         <p:txBody>
           <a:bodyPr lIns="90000" rIns="90000" tIns="91440" bIns="91440" anchor="ctr">
-            <a:normAutofit fontScale="36000"/>
+            <a:normAutofit fontScale="41000"/>
           </a:bodyPr>
           <a:p>
             <a:pPr>
@@ -5373,13 +5327,13 @@
         <p:spPr>
           <a:xfrm>
             <a:off x="276480" y="836640"/>
-            <a:ext cx="8658720" cy="4021920"/>
+            <a:ext cx="8658360" cy="4021560"/>
           </a:xfrm>
           <a:prstGeom prst="rect">
             <a:avLst/>
           </a:prstGeom>
           <a:noFill/>
-          <a:ln>
+          <a:ln w="0">
             <a:noFill/>
           </a:ln>
         </p:spPr>
@@ -5568,12 +5522,12 @@
         <p:spPr>
           <a:xfrm>
             <a:off x="6448680" y="3221640"/>
-            <a:ext cx="2525040" cy="1683000"/>
-          </a:xfrm>
-          <a:prstGeom prst="rect">
-            <a:avLst/>
-          </a:prstGeom>
-          <a:ln>
+            <a:ext cx="2524680" cy="1682640"/>
+          </a:xfrm>
+          <a:prstGeom prst="rect">
+            <a:avLst/>
+          </a:prstGeom>
+          <a:ln w="0">
             <a:noFill/>
           </a:ln>
         </p:spPr>
@@ -5617,7 +5571,7 @@
         <p:spPr>
           <a:xfrm>
             <a:off x="0" y="0"/>
-            <a:ext cx="9143280" cy="582840"/>
+            <a:ext cx="9142920" cy="582480"/>
           </a:xfrm>
           <a:prstGeom prst="rect">
             <a:avLst/>
@@ -5633,7 +5587,7 @@
             </a:gsLst>
             <a:lin ang="5400000"/>
           </a:gradFill>
-          <a:ln>
+          <a:ln w="0">
             <a:noFill/>
           </a:ln>
         </p:spPr>
@@ -5645,7 +5599,7 @@
         </p:style>
         <p:txBody>
           <a:bodyPr lIns="90000" rIns="90000" tIns="91440" bIns="91440" anchor="ctr">
-            <a:normAutofit fontScale="36000"/>
+            <a:normAutofit fontScale="41000"/>
           </a:bodyPr>
           <a:p>
             <a:pPr>
@@ -5701,13 +5655,13 @@
         <p:spPr>
           <a:xfrm>
             <a:off x="276480" y="836640"/>
-            <a:ext cx="8658720" cy="4021920"/>
+            <a:ext cx="8658360" cy="4021560"/>
           </a:xfrm>
           <a:prstGeom prst="rect">
             <a:avLst/>
           </a:prstGeom>
           <a:noFill/>
-          <a:ln>
+          <a:ln w="0">
             <a:noFill/>
           </a:ln>
         </p:spPr>
@@ -5774,7 +5728,7 @@
         <p:spPr>
           <a:xfrm>
             <a:off x="568080" y="1266840"/>
-            <a:ext cx="7230960" cy="2811960"/>
+            <a:ext cx="7230600" cy="2811600"/>
           </a:xfrm>
           <a:prstGeom prst="bevel">
             <a:avLst>
@@ -6072,7 +6026,7 @@
         <p:spPr>
           <a:xfrm>
             <a:off x="0" y="0"/>
-            <a:ext cx="9143280" cy="582840"/>
+            <a:ext cx="9142920" cy="582480"/>
           </a:xfrm>
           <a:prstGeom prst="rect">
             <a:avLst/>
@@ -6088,7 +6042,7 @@
             </a:gsLst>
             <a:lin ang="5400000"/>
           </a:gradFill>
-          <a:ln>
+          <a:ln w="0">
             <a:noFill/>
           </a:ln>
         </p:spPr>
@@ -6100,7 +6054,7 @@
         </p:style>
         <p:txBody>
           <a:bodyPr lIns="90000" rIns="90000" tIns="91440" bIns="91440" anchor="ctr">
-            <a:normAutofit fontScale="36000"/>
+            <a:normAutofit fontScale="41000"/>
           </a:bodyPr>
           <a:p>
             <a:pPr>
@@ -6156,13 +6110,13 @@
         <p:spPr>
           <a:xfrm>
             <a:off x="276480" y="836640"/>
-            <a:ext cx="8658720" cy="4021920"/>
+            <a:ext cx="8658360" cy="4021560"/>
           </a:xfrm>
           <a:prstGeom prst="rect">
             <a:avLst/>
           </a:prstGeom>
           <a:noFill/>
-          <a:ln>
+          <a:ln w="0">
             <a:noFill/>
           </a:ln>
         </p:spPr>
@@ -6493,7 +6447,7 @@
         <p:spPr>
           <a:xfrm>
             <a:off x="0" y="0"/>
-            <a:ext cx="9143280" cy="582840"/>
+            <a:ext cx="9142920" cy="582480"/>
           </a:xfrm>
           <a:prstGeom prst="rect">
             <a:avLst/>
@@ -6509,7 +6463,7 @@
             </a:gsLst>
             <a:lin ang="5400000"/>
           </a:gradFill>
-          <a:ln>
+          <a:ln w="0">
             <a:noFill/>
           </a:ln>
         </p:spPr>
@@ -6521,7 +6475,7 @@
         </p:style>
         <p:txBody>
           <a:bodyPr lIns="90000" rIns="90000" tIns="91440" bIns="91440" anchor="ctr">
-            <a:normAutofit fontScale="36000"/>
+            <a:normAutofit fontScale="41000"/>
           </a:bodyPr>
           <a:p>
             <a:pPr>
@@ -6577,7 +6531,7 @@
         <p:spPr>
           <a:xfrm>
             <a:off x="4483800" y="1099800"/>
-            <a:ext cx="4366440" cy="3917160"/>
+            <a:ext cx="4366080" cy="3916800"/>
           </a:xfrm>
           <a:prstGeom prst="bevel">
             <a:avLst>
@@ -7301,7 +7255,7 @@
         <p:spPr>
           <a:xfrm>
             <a:off x="210960" y="1099800"/>
-            <a:ext cx="4126680" cy="3917160"/>
+            <a:ext cx="4126320" cy="3916800"/>
           </a:xfrm>
           <a:prstGeom prst="bevel">
             <a:avLst>
@@ -7979,7 +7933,7 @@
         <p:spPr>
           <a:xfrm>
             <a:off x="0" y="0"/>
-            <a:ext cx="9143280" cy="582840"/>
+            <a:ext cx="9142920" cy="582480"/>
           </a:xfrm>
           <a:prstGeom prst="rect">
             <a:avLst/>
@@ -7995,7 +7949,7 @@
             </a:gsLst>
             <a:lin ang="5400000"/>
           </a:gradFill>
-          <a:ln>
+          <a:ln w="0">
             <a:noFill/>
           </a:ln>
         </p:spPr>
@@ -8007,7 +7961,7 @@
         </p:style>
         <p:txBody>
           <a:bodyPr lIns="90000" rIns="90000" tIns="91440" bIns="91440" anchor="ctr">
-            <a:normAutofit fontScale="36000"/>
+            <a:normAutofit fontScale="41000"/>
           </a:bodyPr>
           <a:p>
             <a:pPr>
@@ -8063,13 +8017,13 @@
         <p:spPr>
           <a:xfrm>
             <a:off x="276480" y="836640"/>
-            <a:ext cx="8658720" cy="4021920"/>
+            <a:ext cx="8658360" cy="4021560"/>
           </a:xfrm>
           <a:prstGeom prst="rect">
             <a:avLst/>
           </a:prstGeom>
           <a:noFill/>
-          <a:ln>
+          <a:ln w="0">
             <a:noFill/>
           </a:ln>
         </p:spPr>
@@ -8280,12 +8234,12 @@
         <p:spPr>
           <a:xfrm>
             <a:off x="4080240" y="912960"/>
-            <a:ext cx="5005440" cy="3754080"/>
-          </a:xfrm>
-          <a:prstGeom prst="rect">
-            <a:avLst/>
-          </a:prstGeom>
-          <a:ln>
+            <a:ext cx="5005080" cy="3753720"/>
+          </a:xfrm>
+          <a:prstGeom prst="rect">
+            <a:avLst/>
+          </a:prstGeom>
+          <a:ln w="0">
             <a:noFill/>
           </a:ln>
         </p:spPr>
@@ -8329,7 +8283,7 @@
         <p:spPr>
           <a:xfrm>
             <a:off x="0" y="0"/>
-            <a:ext cx="9143280" cy="582840"/>
+            <a:ext cx="9142920" cy="582480"/>
           </a:xfrm>
           <a:prstGeom prst="rect">
             <a:avLst/>
@@ -8345,7 +8299,7 @@
             </a:gsLst>
             <a:lin ang="5400000"/>
           </a:gradFill>
-          <a:ln>
+          <a:ln w="0">
             <a:noFill/>
           </a:ln>
         </p:spPr>
@@ -8357,7 +8311,7 @@
         </p:style>
         <p:txBody>
           <a:bodyPr lIns="90000" rIns="90000" tIns="91440" bIns="91440" anchor="ctr">
-            <a:normAutofit fontScale="36000"/>
+            <a:normAutofit fontScale="41000"/>
           </a:bodyPr>
           <a:p>
             <a:pPr>
@@ -8413,13 +8367,13 @@
         <p:spPr>
           <a:xfrm>
             <a:off x="276480" y="836640"/>
-            <a:ext cx="8658720" cy="4021920"/>
+            <a:ext cx="8658360" cy="4021560"/>
           </a:xfrm>
           <a:prstGeom prst="rect">
             <a:avLst/>
           </a:prstGeom>
           <a:noFill/>
-          <a:ln>
+          <a:ln w="0">
             <a:noFill/>
           </a:ln>
         </p:spPr>
@@ -8646,7 +8600,7 @@
         <p:spPr>
           <a:xfrm>
             <a:off x="0" y="0"/>
-            <a:ext cx="9143280" cy="582840"/>
+            <a:ext cx="9142920" cy="582480"/>
           </a:xfrm>
           <a:prstGeom prst="rect">
             <a:avLst/>
@@ -8662,7 +8616,7 @@
             </a:gsLst>
             <a:lin ang="5400000"/>
           </a:gradFill>
-          <a:ln>
+          <a:ln w="0">
             <a:noFill/>
           </a:ln>
         </p:spPr>
@@ -8674,7 +8628,7 @@
         </p:style>
         <p:txBody>
           <a:bodyPr lIns="90000" rIns="90000" tIns="91440" bIns="91440" anchor="ctr">
-            <a:normAutofit fontScale="36000"/>
+            <a:normAutofit fontScale="41000"/>
           </a:bodyPr>
           <a:p>
             <a:pPr>
@@ -8730,13 +8684,13 @@
         <p:spPr>
           <a:xfrm>
             <a:off x="276480" y="836640"/>
-            <a:ext cx="8658720" cy="4021920"/>
+            <a:ext cx="8658360" cy="4021560"/>
           </a:xfrm>
           <a:prstGeom prst="rect">
             <a:avLst/>
           </a:prstGeom>
           <a:noFill/>
-          <a:ln>
+          <a:ln w="0">
             <a:noFill/>
           </a:ln>
         </p:spPr>
@@ -8949,7 +8903,7 @@
         <p:spPr>
           <a:xfrm>
             <a:off x="657360" y="2324520"/>
-            <a:ext cx="7625160" cy="1319040"/>
+            <a:ext cx="7624800" cy="1318680"/>
           </a:xfrm>
           <a:prstGeom prst="bevel">
             <a:avLst>
